--- a/ShowHideContent/ShowHideContent.pptx
+++ b/ShowHideContent/ShowHideContent.pptx
@@ -221,7 +221,7 @@
           <a:p>
             <a:fld id="{3896CEE2-963B-4232-8961-5370258EE776}" type="datetimeFigureOut">
               <a:rPr lang="en-US" smtClean="0"/>
-              <a:t>2020-07-07</a:t>
+              <a:t>2020-07-11</a:t>
             </a:fld>
             <a:endParaRPr lang="en-US"/>
           </a:p>
@@ -1853,7 +1853,7 @@
           <a:p>
             <a:fld id="{D369C9C7-9F2E-42C8-92B4-F241855934F5}" type="datetimeFigureOut">
               <a:rPr lang="en-US" smtClean="0"/>
-              <a:t>2020-07-07</a:t>
+              <a:t>2020-07-11</a:t>
             </a:fld>
             <a:endParaRPr lang="en-US"/>
           </a:p>
@@ -2051,7 +2051,7 @@
           <a:p>
             <a:fld id="{D369C9C7-9F2E-42C8-92B4-F241855934F5}" type="datetimeFigureOut">
               <a:rPr lang="en-US" smtClean="0"/>
-              <a:t>2020-07-07</a:t>
+              <a:t>2020-07-11</a:t>
             </a:fld>
             <a:endParaRPr lang="en-US"/>
           </a:p>
@@ -2259,7 +2259,7 @@
           <a:p>
             <a:fld id="{D369C9C7-9F2E-42C8-92B4-F241855934F5}" type="datetimeFigureOut">
               <a:rPr lang="en-US" smtClean="0"/>
-              <a:t>2020-07-07</a:t>
+              <a:t>2020-07-11</a:t>
             </a:fld>
             <a:endParaRPr lang="en-US"/>
           </a:p>
@@ -2457,7 +2457,7 @@
           <a:p>
             <a:fld id="{D369C9C7-9F2E-42C8-92B4-F241855934F5}" type="datetimeFigureOut">
               <a:rPr lang="en-US" smtClean="0"/>
-              <a:t>2020-07-07</a:t>
+              <a:t>2020-07-11</a:t>
             </a:fld>
             <a:endParaRPr lang="en-US"/>
           </a:p>
@@ -2732,7 +2732,7 @@
           <a:p>
             <a:fld id="{D369C9C7-9F2E-42C8-92B4-F241855934F5}" type="datetimeFigureOut">
               <a:rPr lang="en-US" smtClean="0"/>
-              <a:t>2020-07-07</a:t>
+              <a:t>2020-07-11</a:t>
             </a:fld>
             <a:endParaRPr lang="en-US"/>
           </a:p>
@@ -2997,7 +2997,7 @@
           <a:p>
             <a:fld id="{D369C9C7-9F2E-42C8-92B4-F241855934F5}" type="datetimeFigureOut">
               <a:rPr lang="en-US" smtClean="0"/>
-              <a:t>2020-07-07</a:t>
+              <a:t>2020-07-11</a:t>
             </a:fld>
             <a:endParaRPr lang="en-US"/>
           </a:p>
@@ -3409,7 +3409,7 @@
           <a:p>
             <a:fld id="{D369C9C7-9F2E-42C8-92B4-F241855934F5}" type="datetimeFigureOut">
               <a:rPr lang="en-US" smtClean="0"/>
-              <a:t>2020-07-07</a:t>
+              <a:t>2020-07-11</a:t>
             </a:fld>
             <a:endParaRPr lang="en-US"/>
           </a:p>
@@ -3550,7 +3550,7 @@
           <a:p>
             <a:fld id="{D369C9C7-9F2E-42C8-92B4-F241855934F5}" type="datetimeFigureOut">
               <a:rPr lang="en-US" smtClean="0"/>
-              <a:t>2020-07-07</a:t>
+              <a:t>2020-07-11</a:t>
             </a:fld>
             <a:endParaRPr lang="en-US"/>
           </a:p>
@@ -3663,7 +3663,7 @@
           <a:p>
             <a:fld id="{D369C9C7-9F2E-42C8-92B4-F241855934F5}" type="datetimeFigureOut">
               <a:rPr lang="en-US" smtClean="0"/>
-              <a:t>2020-07-07</a:t>
+              <a:t>2020-07-11</a:t>
             </a:fld>
             <a:endParaRPr lang="en-US"/>
           </a:p>
@@ -3974,7 +3974,7 @@
           <a:p>
             <a:fld id="{D369C9C7-9F2E-42C8-92B4-F241855934F5}" type="datetimeFigureOut">
               <a:rPr lang="en-US" smtClean="0"/>
-              <a:t>2020-07-07</a:t>
+              <a:t>2020-07-11</a:t>
             </a:fld>
             <a:endParaRPr lang="en-US"/>
           </a:p>
@@ -4262,7 +4262,7 @@
           <a:p>
             <a:fld id="{D369C9C7-9F2E-42C8-92B4-F241855934F5}" type="datetimeFigureOut">
               <a:rPr lang="en-US" smtClean="0"/>
-              <a:t>2020-07-07</a:t>
+              <a:t>2020-07-11</a:t>
             </a:fld>
             <a:endParaRPr lang="en-US"/>
           </a:p>
@@ -4503,7 +4503,7 @@
           <a:p>
             <a:fld id="{D369C9C7-9F2E-42C8-92B4-F241855934F5}" type="datetimeFigureOut">
               <a:rPr lang="en-US" smtClean="0"/>
-              <a:t>2020-07-07</a:t>
+              <a:t>2020-07-11</a:t>
             </a:fld>
             <a:endParaRPr lang="en-US"/>
           </a:p>
@@ -5796,74 +5796,6 @@
           </a:fontRef>
         </p:style>
       </p:cxnSp>
-      <p:sp>
-        <p:nvSpPr>
-          <p:cNvPr id="3" name="Rectangle 2">
-            <a:extLst>
-              <a:ext uri="{FF2B5EF4-FFF2-40B4-BE49-F238E27FC236}">
-                <a16:creationId xmlns:a16="http://schemas.microsoft.com/office/drawing/2014/main" id="{317C4ECE-2A12-4699-A0F8-3478FF51F581}"/>
-              </a:ext>
-            </a:extLst>
-          </p:cNvPr>
-          <p:cNvSpPr/>
-          <p:nvPr/>
-        </p:nvSpPr>
-        <p:spPr>
-          <a:xfrm>
-            <a:off x="4623759" y="3033402"/>
-            <a:ext cx="6573328" cy="3231654"/>
-          </a:xfrm>
-          <a:prstGeom prst="rect">
-            <a:avLst/>
-          </a:prstGeom>
-          <a:solidFill>
-            <a:schemeClr val="accent2">
-              <a:lumMod val="50000"/>
-            </a:schemeClr>
-          </a:solidFill>
-        </p:spPr>
-        <p:txBody>
-          <a:bodyPr wrap="square">
-            <a:spAutoFit/>
-          </a:bodyPr>
-          <a:lstStyle/>
-          <a:p>
-            <a:r>
-              <a:rPr lang="en-US" sz="3200" dirty="0">
-                <a:solidFill>
-                  <a:schemeClr val="bg1"/>
-                </a:solidFill>
-              </a:rPr>
-              <a:t>Notice the new button near each thread! </a:t>
-            </a:r>
-          </a:p>
-          <a:p>
-            <a:r>
-              <a:rPr lang="en-US" sz="2800" dirty="0">
-                <a:solidFill>
-                  <a:schemeClr val="bg1"/>
-                </a:solidFill>
-              </a:rPr>
-              <a:t>A new button was added to each thread. This is line the MSDN forums! </a:t>
-            </a:r>
-          </a:p>
-          <a:p>
-            <a:r>
-              <a:rPr lang="en-US" sz="2800" dirty="0">
-                <a:solidFill>
-                  <a:schemeClr val="bg1"/>
-                </a:solidFill>
-              </a:rPr>
-              <a:t>Click this button will show you the entire content of the tread (answers and comments)</a:t>
-            </a:r>
-            <a:endParaRPr lang="en-US" sz="2400" dirty="0">
-              <a:solidFill>
-                <a:schemeClr val="bg1"/>
-              </a:solidFill>
-            </a:endParaRPr>
-          </a:p>
-        </p:txBody>
-      </p:sp>
       <p:cxnSp>
         <p:nvCxnSpPr>
           <p:cNvPr id="9" name="Straight Arrow Connector 8">
@@ -6005,6 +5937,74 @@
           </a:fontRef>
         </p:style>
       </p:cxnSp>
+      <p:sp>
+        <p:nvSpPr>
+          <p:cNvPr id="3" name="Rectangle 2">
+            <a:extLst>
+              <a:ext uri="{FF2B5EF4-FFF2-40B4-BE49-F238E27FC236}">
+                <a16:creationId xmlns:a16="http://schemas.microsoft.com/office/drawing/2014/main" id="{317C4ECE-2A12-4699-A0F8-3478FF51F581}"/>
+              </a:ext>
+            </a:extLst>
+          </p:cNvPr>
+          <p:cNvSpPr/>
+          <p:nvPr/>
+        </p:nvSpPr>
+        <p:spPr>
+          <a:xfrm>
+            <a:off x="4623759" y="3033402"/>
+            <a:ext cx="6573328" cy="3231654"/>
+          </a:xfrm>
+          <a:prstGeom prst="rect">
+            <a:avLst/>
+          </a:prstGeom>
+          <a:solidFill>
+            <a:schemeClr val="accent2">
+              <a:lumMod val="50000"/>
+            </a:schemeClr>
+          </a:solidFill>
+        </p:spPr>
+        <p:txBody>
+          <a:bodyPr wrap="square">
+            <a:spAutoFit/>
+          </a:bodyPr>
+          <a:lstStyle/>
+          <a:p>
+            <a:r>
+              <a:rPr lang="en-US" sz="3200" dirty="0">
+                <a:solidFill>
+                  <a:schemeClr val="bg1"/>
+                </a:solidFill>
+              </a:rPr>
+              <a:t>Notice the new button near each thread! </a:t>
+            </a:r>
+          </a:p>
+          <a:p>
+            <a:r>
+              <a:rPr lang="en-US" sz="2800" dirty="0">
+                <a:solidFill>
+                  <a:schemeClr val="bg1"/>
+                </a:solidFill>
+              </a:rPr>
+              <a:t>A new button was added to each thread. This is like the MSDN forums! </a:t>
+            </a:r>
+          </a:p>
+          <a:p>
+            <a:r>
+              <a:rPr lang="en-US" sz="2800" dirty="0">
+                <a:solidFill>
+                  <a:schemeClr val="bg1"/>
+                </a:solidFill>
+              </a:rPr>
+              <a:t>Click this button will show you the entire content of the tread (answers and comments)</a:t>
+            </a:r>
+            <a:endParaRPr lang="en-US" sz="2400" dirty="0">
+              <a:solidFill>
+                <a:schemeClr val="bg1"/>
+              </a:solidFill>
+            </a:endParaRPr>
+          </a:p>
+        </p:txBody>
+      </p:sp>
     </p:spTree>
     <p:extLst>
       <p:ext uri="{BB962C8B-B14F-4D97-AF65-F5344CB8AC3E}">
@@ -6175,7 +6175,7 @@
                   <a:schemeClr val="bg1"/>
                 </a:solidFill>
               </a:rPr>
-              <a:t>This way (like in the MSDN forums), we do not need to open each thread in separate page, only for the sake of checking if the content is relevant to use</a:t>
+              <a:t>This way (like in the MSDN forums), we do not need to open each thread in separate page, only for the sake of checking if the content is relevant to us or if we wasted our time 😀</a:t>
             </a:r>
             <a:endParaRPr lang="en-US" sz="2400" dirty="0">
               <a:solidFill>
